--- a/materials/slides/ch07.pptx
+++ b/materials/slides/ch07.pptx
@@ -35,24 +35,20 @@
   <p:notesSz cx="6858000" cy="9144000"/>
   <p:embeddedFontLst>
     <p:embeddedFont>
-      <p:font typeface="黑体" panose="02010609060101010101" pitchFamily="49" charset="-122"/>
+      <p:font typeface="Calibri" panose="020F0502020204030204" pitchFamily="34" charset="0"/>
       <p:regular r:id="rId25"/>
+      <p:bold r:id="rId26"/>
+      <p:italic r:id="rId27"/>
+      <p:boldItalic r:id="rId28"/>
     </p:embeddedFont>
     <p:embeddedFont>
-      <p:font typeface="隶书" panose="02010509060101010101" pitchFamily="49" charset="-122"/>
-      <p:regular r:id="rId26"/>
+      <p:font typeface="黑体" panose="02010609060101010101" pitchFamily="49" charset="-122"/>
+      <p:regular r:id="rId29"/>
     </p:embeddedFont>
     <p:embeddedFont>
       <p:font typeface="微软雅黑" panose="020B0503020204020204" pitchFamily="34" charset="-122"/>
-      <p:regular r:id="rId27"/>
-      <p:bold r:id="rId28"/>
-    </p:embeddedFont>
-    <p:embeddedFont>
-      <p:font typeface="Calibri" panose="020F0502020204030204" pitchFamily="34" charset="0"/>
-      <p:regular r:id="rId29"/>
-      <p:bold r:id="rId30"/>
-      <p:italic r:id="rId31"/>
-      <p:boldItalic r:id="rId32"/>
+      <p:regular r:id="rId30"/>
+      <p:bold r:id="rId31"/>
     </p:embeddedFont>
   </p:embeddedFontLst>
   <p:defaultTextStyle>
@@ -199,10 +195,6 @@
 </p:presentation>
 </file>
 
-<file path=ppt/revisionInfo.xml><?xml version="1.0" encoding="utf-8"?>
-<p1510:revInfo xmlns:a="http://schemas.openxmlformats.org/drawingml/2006/main" xmlns:r="http://schemas.openxmlformats.org/officeDocument/2006/relationships" xmlns:p1510="http://schemas.microsoft.com/office/powerpoint/2015/10/main"/>
-</file>
-
 <file path=ppt/notesMasters/notesMaster1.xml><?xml version="1.0" encoding="utf-8"?>
 <p:notesMaster xmlns:a="http://schemas.openxmlformats.org/drawingml/2006/main" xmlns:r="http://schemas.openxmlformats.org/officeDocument/2006/relationships" xmlns:p="http://schemas.openxmlformats.org/presentationml/2006/main">
   <p:cSld>
@@ -298,7 +290,7 @@
               <a:pPr>
                 <a:defRPr/>
               </a:pPr>
-              <a:t>2018/2/5</a:t>
+              <a:t>2019/7/16</a:t>
             </a:fld>
             <a:endParaRPr lang="zh-CN" altLang="en-US"/>
           </a:p>
@@ -1962,7 +1954,7 @@
           <a:graphicData uri="http://schemas.openxmlformats.org/presentationml/2006/ole">
             <mc:AlternateContent xmlns:mc="http://schemas.openxmlformats.org/markup-compatibility/2006">
               <mc:Choice xmlns:v="urn:schemas-microsoft-com:vml" Requires="v">
-                <p:oleObj spid="_x0000_s47127" r:id="rId4" imgW="7222617" imgH="1138809" progId="">
+                <p:oleObj spid="_x0000_s47128" r:id="rId4" imgW="7222617" imgH="1138809" progId="">
                   <p:embed/>
                 </p:oleObj>
               </mc:Choice>
@@ -2408,7 +2400,7 @@
               <a:pPr>
                 <a:defRPr/>
               </a:pPr>
-              <a:t>2018/2/5</a:t>
+              <a:t>2019/7/16</a:t>
             </a:fld>
             <a:endParaRPr lang="zh-CN" altLang="en-US"/>
           </a:p>
@@ -2613,7 +2605,7 @@
               <a:pPr>
                 <a:defRPr/>
               </a:pPr>
-              <a:t>2018/2/5</a:t>
+              <a:t>2019/7/16</a:t>
             </a:fld>
             <a:endParaRPr lang="zh-CN" altLang="en-US"/>
           </a:p>
@@ -2778,7 +2770,7 @@
           <a:graphicData uri="http://schemas.openxmlformats.org/presentationml/2006/ole">
             <mc:AlternateContent xmlns:mc="http://schemas.openxmlformats.org/markup-compatibility/2006">
               <mc:Choice xmlns:v="urn:schemas-microsoft-com:vml" Requires="v">
-                <p:oleObj spid="_x0000_s52247" r:id="rId4" imgW="7222617" imgH="1138809" progId="">
+                <p:oleObj spid="_x0000_s52248" r:id="rId4" imgW="7222617" imgH="1138809" progId="">
                   <p:embed/>
                 </p:oleObj>
               </mc:Choice>
@@ -3328,7 +3320,7 @@
           <a:graphicData uri="http://schemas.openxmlformats.org/presentationml/2006/ole">
             <mc:AlternateContent xmlns:mc="http://schemas.openxmlformats.org/markup-compatibility/2006">
               <mc:Choice xmlns:v="urn:schemas-microsoft-com:vml" Requires="v">
-                <p:oleObj spid="_x0000_s48151" r:id="rId4" imgW="7222617" imgH="1138809" progId="">
+                <p:oleObj spid="_x0000_s48152" r:id="rId4" imgW="7222617" imgH="1138809" progId="">
                   <p:embed/>
                 </p:oleObj>
               </mc:Choice>
@@ -3867,7 +3859,7 @@
           <a:graphicData uri="http://schemas.openxmlformats.org/presentationml/2006/ole">
             <mc:AlternateContent xmlns:mc="http://schemas.openxmlformats.org/markup-compatibility/2006">
               <mc:Choice xmlns:v="urn:schemas-microsoft-com:vml" Requires="v">
-                <p:oleObj spid="_x0000_s49175" r:id="rId4" imgW="7222617" imgH="1138809" progId="">
+                <p:oleObj spid="_x0000_s49176" r:id="rId4" imgW="7222617" imgH="1138809" progId="">
                   <p:embed/>
                 </p:oleObj>
               </mc:Choice>
@@ -4390,7 +4382,7 @@
           <a:graphicData uri="http://schemas.openxmlformats.org/presentationml/2006/ole">
             <mc:AlternateContent xmlns:mc="http://schemas.openxmlformats.org/markup-compatibility/2006">
               <mc:Choice xmlns:v="urn:schemas-microsoft-com:vml" Requires="v">
-                <p:oleObj spid="_x0000_s50199" r:id="rId4" imgW="7222617" imgH="1138809" progId="">
+                <p:oleObj spid="_x0000_s50200" r:id="rId4" imgW="7222617" imgH="1138809" progId="">
                   <p:embed/>
                 </p:oleObj>
               </mc:Choice>
@@ -4927,7 +4919,7 @@
               <a:pPr>
                 <a:defRPr/>
               </a:pPr>
-              <a:t>2018/2/5</a:t>
+              <a:t>2019/7/16</a:t>
             </a:fld>
             <a:endParaRPr lang="zh-CN" altLang="en-US"/>
           </a:p>
@@ -5373,7 +5365,7 @@
               <a:pPr>
                 <a:defRPr/>
               </a:pPr>
-              <a:t>2018/2/5</a:t>
+              <a:t>2019/7/16</a:t>
             </a:fld>
             <a:endParaRPr lang="zh-CN" altLang="en-US"/>
           </a:p>
@@ -5538,7 +5530,7 @@
           <a:graphicData uri="http://schemas.openxmlformats.org/presentationml/2006/ole">
             <mc:AlternateContent xmlns:mc="http://schemas.openxmlformats.org/markup-compatibility/2006">
               <mc:Choice xmlns:v="urn:schemas-microsoft-com:vml" Requires="v">
-                <p:oleObj spid="_x0000_s51223" r:id="rId4" imgW="7222617" imgH="1138809" progId="">
+                <p:oleObj spid="_x0000_s51224" r:id="rId4" imgW="7222617" imgH="1138809" progId="">
                   <p:embed/>
                 </p:oleObj>
               </mc:Choice>
@@ -5907,7 +5899,7 @@
               <a:pPr>
                 <a:defRPr/>
               </a:pPr>
-              <a:t>2018/2/5</a:t>
+              <a:t>2019/7/16</a:t>
             </a:fld>
             <a:endParaRPr lang="zh-CN" altLang="en-US"/>
           </a:p>
@@ -6029,7 +6021,7 @@
               <a:pPr>
                 <a:defRPr/>
               </a:pPr>
-              <a:t>2018/2/5</a:t>
+              <a:t>2019/7/16</a:t>
             </a:fld>
             <a:endParaRPr lang="zh-CN" altLang="en-US"/>
           </a:p>
@@ -6331,7 +6323,7 @@
               <a:pPr>
                 <a:defRPr/>
               </a:pPr>
-              <a:t>2018/2/5</a:t>
+              <a:t>2019/7/16</a:t>
             </a:fld>
             <a:endParaRPr lang="zh-CN" altLang="en-US"/>
           </a:p>
@@ -6613,7 +6605,7 @@
               <a:pPr>
                 <a:defRPr/>
               </a:pPr>
-              <a:t>2018/2/5</a:t>
+              <a:t>2019/7/16</a:t>
             </a:fld>
             <a:endParaRPr lang="zh-CN" altLang="en-US"/>
           </a:p>
@@ -6960,7 +6952,7 @@
               <a:pPr>
                 <a:defRPr/>
               </a:pPr>
-              <a:t>2018/2/5</a:t>
+              <a:t>2019/7/16</a:t>
             </a:fld>
             <a:endParaRPr lang="zh-CN" altLang="en-US"/>
           </a:p>
@@ -7080,7 +7072,7 @@
           <a:graphicData uri="http://schemas.openxmlformats.org/presentationml/2006/ole">
             <mc:AlternateContent xmlns:mc="http://schemas.openxmlformats.org/markup-compatibility/2006">
               <mc:Choice xmlns:v="urn:schemas-microsoft-com:vml" Requires="v">
-                <p:oleObj spid="_x0000_s1055" r:id="rId16" imgW="7222617" imgH="1138809" progId="">
+                <p:oleObj spid="_x0000_s1056" r:id="rId16" imgW="7222617" imgH="1138809" progId="">
                   <p:embed/>
                 </p:oleObj>
               </mc:Choice>
@@ -12143,12 +12135,21 @@
                   <a:srgbClr val="FF0000"/>
                 </a:solidFill>
               </a:rPr>
-              <a:t>逻辑较复杂</a:t>
-            </a:r>
-            <a:r>
-              <a:rPr lang="zh-CN" altLang="en-US" dirty="0"/>
-              <a:t>。</a:t>
-            </a:r>
+              <a:t>逻辑较</a:t>
+            </a:r>
+            <a:r>
+              <a:rPr lang="zh-CN" altLang="en-US">
+                <a:solidFill>
+                  <a:srgbClr val="FF0000"/>
+                </a:solidFill>
+              </a:rPr>
+              <a:t>复杂</a:t>
+            </a:r>
+            <a:r>
+              <a:rPr lang="zh-CN" altLang="en-US"/>
+              <a:t>。 </a:t>
+            </a:r>
+            <a:endParaRPr lang="zh-CN" altLang="en-US" dirty="0"/>
           </a:p>
         </p:txBody>
       </p:sp>
